--- a/Network Security/class 10/NetSec_11/2. Presentation/NetSec_11.pptx
+++ b/Network Security/class 10/NetSec_11/2. Presentation/NetSec_11.pptx
@@ -7,15 +7,16 @@
   <p:sldIdLst>
     <p:sldId id="256" r:id="rId3"/>
     <p:sldId id="277" r:id="rId4"/>
-    <p:sldId id="333" r:id="rId5"/>
-    <p:sldId id="335" r:id="rId6"/>
-    <p:sldId id="336" r:id="rId7"/>
-    <p:sldId id="337" r:id="rId8"/>
-    <p:sldId id="338" r:id="rId9"/>
-    <p:sldId id="339" r:id="rId10"/>
-    <p:sldId id="340" r:id="rId11"/>
-    <p:sldId id="341" r:id="rId12"/>
-    <p:sldId id="305" r:id="rId13"/>
+    <p:sldId id="343" r:id="rId5"/>
+    <p:sldId id="344" r:id="rId6"/>
+    <p:sldId id="345" r:id="rId7"/>
+    <p:sldId id="347" r:id="rId8"/>
+    <p:sldId id="346" r:id="rId9"/>
+    <p:sldId id="348" r:id="rId10"/>
+    <p:sldId id="349" r:id="rId11"/>
+    <p:sldId id="350" r:id="rId12"/>
+    <p:sldId id="351" r:id="rId13"/>
+    <p:sldId id="305" r:id="rId14"/>
   </p:sldIdLst>
   <p:sldSz cx="12192000" cy="6858000"/>
   <p:notesSz cx="7103745" cy="10234295"/>
@@ -3217,26 +3218,9 @@
                 <a:latin typeface="Purisa" panose="02000603000000000000" charset="0"/>
                 <a:cs typeface="Purisa" panose="02000603000000000000" charset="0"/>
               </a:rPr>
-              <a:t> lab 2</a:t>
-            </a:r>
-            <a:r>
-              <a:rPr lang="" altLang="en-US" sz="4800" b="1">
-                <a:solidFill>
-                  <a:schemeClr val="tx1"/>
-                </a:solidFill>
-                <a:effectLst>
-                  <a:outerShdw blurRad="38100" dist="19050" dir="2700000" algn="tl" rotWithShape="0">
-                    <a:schemeClr val="dk1">
-                      <a:alpha val="40000"/>
-                    </a:schemeClr>
-                  </a:outerShdw>
-                </a:effectLst>
-                <a:latin typeface="Purisa" panose="02000603000000000000" charset="0"/>
-                <a:cs typeface="Purisa" panose="02000603000000000000" charset="0"/>
-              </a:rPr>
-              <a:t>9</a:t>
-            </a:r>
-            <a:endParaRPr lang="" altLang="en-US" sz="4800" b="1">
+              <a:t> lab 29</a:t>
+            </a:r>
+            <a:endParaRPr lang="en-US" altLang="en-US" sz="4800" b="1">
               <a:solidFill>
                 <a:schemeClr val="tx1"/>
               </a:solidFill>
@@ -3534,7 +3518,7 @@
         <p:spPr>
           <a:xfrm>
             <a:off x="1675130" y="354330"/>
-            <a:ext cx="7353300" cy="583565"/>
+            <a:ext cx="7353300" cy="768350"/>
           </a:xfrm>
           <a:prstGeom prst="rect">
             <a:avLst/>
@@ -3547,7 +3531,7 @@
           </a:bodyPr>
           <a:p>
             <a:r>
-              <a:rPr lang="en-US" altLang="en-US" sz="3200" b="1">
+              <a:rPr sz="4400" b="1">
                 <a:ln w="10160">
                   <a:solidFill>
                     <a:schemeClr val="accent5"/>
@@ -3567,9 +3551,9 @@
                 <a:latin typeface="Tibetan Machine Uni" panose="01000503020000020002" charset="0"/>
                 <a:cs typeface="Tibetan Machine Uni" panose="01000503020000020002" charset="0"/>
               </a:rPr>
-              <a:t>Defenses against DNS Poisoning</a:t>
-            </a:r>
-            <a:endParaRPr lang="en-US" altLang="en-US" sz="3200" b="1">
+              <a:t>Hybrid Dictionary Attack</a:t>
+            </a:r>
+            <a:endParaRPr sz="4400" b="1">
               <a:ln w="10160">
                 <a:solidFill>
                   <a:schemeClr val="accent5"/>
@@ -3600,8 +3584,8 @@
         </p:nvSpPr>
         <p:spPr>
           <a:xfrm>
-            <a:off x="7529830" y="2917825"/>
-            <a:ext cx="5429885" cy="645160"/>
+            <a:off x="6736080" y="2549525"/>
+            <a:ext cx="5080000" cy="1198880"/>
           </a:xfrm>
           <a:prstGeom prst="rect">
             <a:avLst/>
@@ -3612,19 +3596,19 @@
           </a:ln>
         </p:spPr>
         <p:txBody>
-          <a:bodyPr wrap="square">
+          <a:bodyPr>
             <a:spAutoFit/>
           </a:bodyPr>
           <a:p>
             <a:pPr marL="0" indent="0"/>
             <a:r>
-              <a:rPr lang="en-US" altLang="en-US" sz="3600" b="0">
+              <a:rPr lang="en-US" sz="2400" b="0">
                 <a:latin typeface="Calibri" charset="0"/>
                 <a:cs typeface="SimSun" charset="0"/>
               </a:rPr>
-              <a:t>use SSL certificate</a:t>
-            </a:r>
-            <a:endParaRPr lang="en-US" altLang="en-US" sz="3600" b="0">
+              <a:t>Hybrid dictionary attack uses a set of dictionary words combined with extensions</a:t>
+            </a:r>
+            <a:endParaRPr lang="en-US" sz="2400" b="0">
               <a:latin typeface="Calibri" charset="0"/>
               <a:cs typeface="SimSun" charset="0"/>
             </a:endParaRPr>
@@ -3633,7 +3617,7 @@
       </p:sp>
       <p:pic>
         <p:nvPicPr>
-          <p:cNvPr id="17" name="Picture 13" descr="IMG_256"/>
+          <p:cNvPr id="2" name="Picture 1"/>
           <p:cNvPicPr>
             <a:picLocks noChangeAspect="1"/>
           </p:cNvPicPr>
@@ -3647,16 +3631,12 @@
         </p:blipFill>
         <p:spPr>
           <a:xfrm>
-            <a:off x="440690" y="1729105"/>
-            <a:ext cx="6517640" cy="3952240"/>
+            <a:off x="108585" y="1939925"/>
+            <a:ext cx="6332855" cy="3640455"/>
           </a:xfrm>
           <a:prstGeom prst="rect">
             <a:avLst/>
           </a:prstGeom>
-          <a:noFill/>
-          <a:ln w="9525">
-            <a:noFill/>
-          </a:ln>
         </p:spPr>
       </p:pic>
     </p:spTree>
@@ -3668,206 +3648,6 @@
 </file>
 
 <file path=ppt/slides/slide11.xml><?xml version="1.0" encoding="utf-8"?>
-<p:sld xmlns:a="http://schemas.openxmlformats.org/drawingml/2006/main" xmlns:r="http://schemas.openxmlformats.org/officeDocument/2006/relationships" xmlns:p="http://schemas.openxmlformats.org/presentationml/2006/main">
-  <p:cSld>
-    <p:spTree>
-      <p:nvGrpSpPr>
-        <p:cNvPr id="1" name=""/>
-        <p:cNvGrpSpPr/>
-        <p:nvPr/>
-      </p:nvGrpSpPr>
-      <p:grpSpPr/>
-      <p:sp>
-        <p:nvSpPr>
-          <p:cNvPr id="4" name="Text Box 3"/>
-          <p:cNvSpPr txBox="1"/>
-          <p:nvPr/>
-        </p:nvSpPr>
-        <p:spPr>
-          <a:xfrm rot="20100000">
-            <a:off x="663575" y="2660650"/>
-            <a:ext cx="10864850" cy="1568450"/>
-          </a:xfrm>
-          <a:prstGeom prst="rect">
-            <a:avLst/>
-          </a:prstGeom>
-          <a:noFill/>
-        </p:spPr>
-        <p:txBody>
-          <a:bodyPr wrap="square" rtlCol="0">
-            <a:spAutoFit/>
-          </a:bodyPr>
-          <a:p>
-            <a:pPr algn="ctr"/>
-            <a:r>
-              <a:rPr lang="en-US" altLang="en-US" sz="9600" b="1">
-                <a:solidFill>
-                  <a:srgbClr val="7030A0"/>
-                </a:solidFill>
-                <a:effectLst>
-                  <a:outerShdw blurRad="38100" dist="19050" dir="2700000" algn="tl" rotWithShape="0">
-                    <a:schemeClr val="dk1">
-                      <a:alpha val="40000"/>
-                    </a:schemeClr>
-                  </a:outerShdw>
-                </a:effectLst>
-                <a:uFillTx/>
-                <a:latin typeface="Tibetan Machine Uni" panose="01000503020000020002" charset="0"/>
-                <a:cs typeface="Tibetan Machine Uni" panose="01000503020000020002" charset="0"/>
-              </a:rPr>
-              <a:t>Thank You</a:t>
-            </a:r>
-            <a:endParaRPr lang="en-US" altLang="en-US" sz="9600" b="1">
-              <a:solidFill>
-                <a:srgbClr val="7030A0"/>
-              </a:solidFill>
-              <a:effectLst>
-                <a:outerShdw blurRad="38100" dist="19050" dir="2700000" algn="tl" rotWithShape="0">
-                  <a:schemeClr val="dk1">
-                    <a:alpha val="40000"/>
-                  </a:schemeClr>
-                </a:outerShdw>
-              </a:effectLst>
-              <a:uFillTx/>
-              <a:latin typeface="Tibetan Machine Uni" panose="01000503020000020002" charset="0"/>
-              <a:cs typeface="Tibetan Machine Uni" panose="01000503020000020002" charset="0"/>
-            </a:endParaRPr>
-          </a:p>
-        </p:txBody>
-      </p:sp>
-      <p:pic>
-        <p:nvPicPr>
-          <p:cNvPr id="5" name="Picture 4" descr="United TrusT Logo"/>
-          <p:cNvPicPr>
-            <a:picLocks noChangeAspect="1"/>
-          </p:cNvPicPr>
-          <p:nvPr/>
-        </p:nvPicPr>
-        <p:blipFill>
-          <a:blip r:embed="rId1"/>
-          <a:stretch>
-            <a:fillRect/>
-          </a:stretch>
-        </p:blipFill>
-        <p:spPr>
-          <a:xfrm>
-            <a:off x="108585" y="6128385"/>
-            <a:ext cx="1650365" cy="634365"/>
-          </a:xfrm>
-          <a:prstGeom prst="rect">
-            <a:avLst/>
-          </a:prstGeom>
-        </p:spPr>
-      </p:pic>
-      <p:pic>
-        <p:nvPicPr>
-          <p:cNvPr id="6" name="Picture 5" descr="bdedu_logo"/>
-          <p:cNvPicPr>
-            <a:picLocks noChangeAspect="1"/>
-          </p:cNvPicPr>
-          <p:nvPr/>
-        </p:nvPicPr>
-        <p:blipFill>
-          <a:blip r:embed="rId2"/>
-          <a:stretch>
-            <a:fillRect/>
-          </a:stretch>
-        </p:blipFill>
-        <p:spPr>
-          <a:xfrm>
-            <a:off x="9421495" y="6061710"/>
-            <a:ext cx="2693670" cy="701040"/>
-          </a:xfrm>
-          <a:prstGeom prst="rect">
-            <a:avLst/>
-          </a:prstGeom>
-        </p:spPr>
-      </p:pic>
-      <p:pic>
-        <p:nvPicPr>
-          <p:cNvPr id="8" name="Picture 7"/>
-          <p:cNvPicPr>
-            <a:picLocks noChangeAspect="1"/>
-          </p:cNvPicPr>
-          <p:nvPr/>
-        </p:nvPicPr>
-        <p:blipFill>
-          <a:blip r:embed="rId3">
-            <a:clrChange>
-              <a:clrFrom>
-                <a:srgbClr val="FFFFFF">
-                  <a:alpha val="100000"/>
-                </a:srgbClr>
-              </a:clrFrom>
-              <a:clrTo>
-                <a:srgbClr val="FFFFFF">
-                  <a:alpha val="100000"/>
-                  <a:alpha val="0"/>
-                </a:srgbClr>
-              </a:clrTo>
-            </a:clrChange>
-          </a:blip>
-          <a:stretch>
-            <a:fillRect/>
-          </a:stretch>
-        </p:blipFill>
-        <p:spPr>
-          <a:xfrm>
-            <a:off x="-196215" y="137795"/>
-            <a:ext cx="4137660" cy="1896745"/>
-          </a:xfrm>
-          <a:prstGeom prst="rect">
-            <a:avLst/>
-          </a:prstGeom>
-        </p:spPr>
-      </p:pic>
-      <p:pic>
-        <p:nvPicPr>
-          <p:cNvPr id="11" name="Picture 10"/>
-          <p:cNvPicPr>
-            <a:picLocks noChangeAspect="1"/>
-          </p:cNvPicPr>
-          <p:nvPr/>
-        </p:nvPicPr>
-        <p:blipFill>
-          <a:blip r:embed="rId4">
-            <a:clrChange>
-              <a:clrFrom>
-                <a:srgbClr val="F6F6F6">
-                  <a:alpha val="100000"/>
-                </a:srgbClr>
-              </a:clrFrom>
-              <a:clrTo>
-                <a:srgbClr val="F6F6F6">
-                  <a:alpha val="100000"/>
-                  <a:alpha val="0"/>
-                </a:srgbClr>
-              </a:clrTo>
-            </a:clrChange>
-          </a:blip>
-          <a:stretch>
-            <a:fillRect/>
-          </a:stretch>
-        </p:blipFill>
-        <p:spPr>
-          <a:xfrm>
-            <a:off x="8582025" y="3488690"/>
-            <a:ext cx="2137410" cy="2308860"/>
-          </a:xfrm>
-          <a:prstGeom prst="rect">
-            <a:avLst/>
-          </a:prstGeom>
-        </p:spPr>
-      </p:pic>
-    </p:spTree>
-  </p:cSld>
-  <p:clrMapOvr>
-    <a:masterClrMapping/>
-  </p:clrMapOvr>
-</p:sld>
-</file>
-
-<file path=ppt/slides/slide2.xml><?xml version="1.0" encoding="utf-8"?>
 <p:sld xmlns:a="http://schemas.openxmlformats.org/drawingml/2006/main" xmlns:r="http://schemas.openxmlformats.org/officeDocument/2006/relationships" xmlns:p="http://schemas.openxmlformats.org/presentationml/2006/main">
   <p:cSld>
     <p:spTree>
@@ -4074,7 +3854,7 @@
           </a:bodyPr>
           <a:p>
             <a:r>
-              <a:rPr lang="en-US" altLang="en-US" sz="4400" b="1">
+              <a:rPr sz="4400" b="1">
                 <a:ln w="10160">
                   <a:solidFill>
                     <a:schemeClr val="accent5"/>
@@ -4094,9 +3874,9 @@
                 <a:latin typeface="Tibetan Machine Uni" panose="01000503020000020002" charset="0"/>
                 <a:cs typeface="Tibetan Machine Uni" panose="01000503020000020002" charset="0"/>
               </a:rPr>
-              <a:t>DNS Poisoning</a:t>
-            </a:r>
-            <a:endParaRPr lang="en-US" altLang="en-US" sz="4400" b="1">
+              <a:t>Brute-Force Attack</a:t>
+            </a:r>
+            <a:endParaRPr sz="4400" b="1">
               <a:ln w="10160">
                 <a:solidFill>
                   <a:schemeClr val="accent5"/>
@@ -4127,8 +3907,8 @@
         </p:nvSpPr>
         <p:spPr>
           <a:xfrm>
-            <a:off x="1383030" y="4419600"/>
-            <a:ext cx="9673590" cy="1383665"/>
+            <a:off x="6736080" y="2549525"/>
+            <a:ext cx="5080000" cy="2306955"/>
           </a:xfrm>
           <a:prstGeom prst="rect">
             <a:avLst/>
@@ -4139,19 +3919,19 @@
           </a:ln>
         </p:spPr>
         <p:txBody>
-          <a:bodyPr wrap="square">
+          <a:bodyPr>
             <a:spAutoFit/>
           </a:bodyPr>
           <a:p>
             <a:pPr marL="0" indent="0"/>
             <a:r>
-              <a:rPr lang="en-US" sz="2800" b="0">
+              <a:rPr lang="en-US" sz="2400" b="0">
                 <a:latin typeface="Calibri" charset="0"/>
                 <a:cs typeface="SimSun" charset="0"/>
               </a:rPr>
-              <a:t>DNS Poisoning is a technique that tricks a DNS server into believing that it has received authentic information when, in reality, it has not</a:t>
-            </a:r>
-            <a:endParaRPr lang="en-US" sz="2800" b="0">
+              <a:t>In a brute-force attack, the hacker uses all possible combinations of letters, numbers, special characters, and small and capital letters to break the password</a:t>
+            </a:r>
+            <a:endParaRPr lang="en-US" sz="2400" b="0">
               <a:latin typeface="Calibri" charset="0"/>
               <a:cs typeface="SimSun" charset="0"/>
             </a:endParaRPr>
@@ -4160,45 +3940,26 @@
       </p:sp>
       <p:pic>
         <p:nvPicPr>
-          <p:cNvPr id="4" name="Picture 5" descr="IMG_256"/>
+          <p:cNvPr id="3" name="Picture 2"/>
           <p:cNvPicPr>
             <a:picLocks noChangeAspect="1"/>
           </p:cNvPicPr>
           <p:nvPr/>
         </p:nvPicPr>
         <p:blipFill>
-          <a:blip r:embed="rId4">
-            <a:clrChange>
-              <a:clrFrom>
-                <a:srgbClr val="DBDBDB">
-                  <a:alpha val="100000"/>
-                </a:srgbClr>
-              </a:clrFrom>
-              <a:clrTo>
-                <a:srgbClr val="DBDBDB">
-                  <a:alpha val="100000"/>
-                  <a:alpha val="0"/>
-                </a:srgbClr>
-              </a:clrTo>
-            </a:clrChange>
-            <a:lum bright="-6000"/>
-          </a:blip>
+          <a:blip r:embed="rId4"/>
           <a:stretch>
             <a:fillRect/>
           </a:stretch>
         </p:blipFill>
         <p:spPr>
           <a:xfrm>
-            <a:off x="2780030" y="1784350"/>
-            <a:ext cx="6660515" cy="2442845"/>
+            <a:off x="1311275" y="1778635"/>
+            <a:ext cx="4239895" cy="3848735"/>
           </a:xfrm>
           <a:prstGeom prst="rect">
             <a:avLst/>
           </a:prstGeom>
-          <a:noFill/>
-          <a:ln w="9525">
-            <a:noFill/>
-          </a:ln>
         </p:spPr>
       </p:pic>
     </p:spTree>
@@ -4209,7 +3970,207 @@
 </p:sld>
 </file>
 
-<file path=ppt/slides/slide3.xml><?xml version="1.0" encoding="utf-8"?>
+<file path=ppt/slides/slide12.xml><?xml version="1.0" encoding="utf-8"?>
+<p:sld xmlns:a="http://schemas.openxmlformats.org/drawingml/2006/main" xmlns:r="http://schemas.openxmlformats.org/officeDocument/2006/relationships" xmlns:p="http://schemas.openxmlformats.org/presentationml/2006/main">
+  <p:cSld>
+    <p:spTree>
+      <p:nvGrpSpPr>
+        <p:cNvPr id="1" name=""/>
+        <p:cNvGrpSpPr/>
+        <p:nvPr/>
+      </p:nvGrpSpPr>
+      <p:grpSpPr/>
+      <p:sp>
+        <p:nvSpPr>
+          <p:cNvPr id="4" name="Text Box 3"/>
+          <p:cNvSpPr txBox="1"/>
+          <p:nvPr/>
+        </p:nvSpPr>
+        <p:spPr>
+          <a:xfrm rot="20100000">
+            <a:off x="663575" y="2660650"/>
+            <a:ext cx="10864850" cy="1568450"/>
+          </a:xfrm>
+          <a:prstGeom prst="rect">
+            <a:avLst/>
+          </a:prstGeom>
+          <a:noFill/>
+        </p:spPr>
+        <p:txBody>
+          <a:bodyPr wrap="square" rtlCol="0">
+            <a:spAutoFit/>
+          </a:bodyPr>
+          <a:p>
+            <a:pPr algn="ctr"/>
+            <a:r>
+              <a:rPr lang="en-US" altLang="en-US" sz="9600" b="1">
+                <a:solidFill>
+                  <a:srgbClr val="7030A0"/>
+                </a:solidFill>
+                <a:effectLst>
+                  <a:outerShdw blurRad="38100" dist="19050" dir="2700000" algn="tl" rotWithShape="0">
+                    <a:schemeClr val="dk1">
+                      <a:alpha val="40000"/>
+                    </a:schemeClr>
+                  </a:outerShdw>
+                </a:effectLst>
+                <a:uFillTx/>
+                <a:latin typeface="Tibetan Machine Uni" panose="01000503020000020002" charset="0"/>
+                <a:cs typeface="Tibetan Machine Uni" panose="01000503020000020002" charset="0"/>
+              </a:rPr>
+              <a:t>Thank You</a:t>
+            </a:r>
+            <a:endParaRPr lang="en-US" altLang="en-US" sz="9600" b="1">
+              <a:solidFill>
+                <a:srgbClr val="7030A0"/>
+              </a:solidFill>
+              <a:effectLst>
+                <a:outerShdw blurRad="38100" dist="19050" dir="2700000" algn="tl" rotWithShape="0">
+                  <a:schemeClr val="dk1">
+                    <a:alpha val="40000"/>
+                  </a:schemeClr>
+                </a:outerShdw>
+              </a:effectLst>
+              <a:uFillTx/>
+              <a:latin typeface="Tibetan Machine Uni" panose="01000503020000020002" charset="0"/>
+              <a:cs typeface="Tibetan Machine Uni" panose="01000503020000020002" charset="0"/>
+            </a:endParaRPr>
+          </a:p>
+        </p:txBody>
+      </p:sp>
+      <p:pic>
+        <p:nvPicPr>
+          <p:cNvPr id="5" name="Picture 4" descr="United TrusT Logo"/>
+          <p:cNvPicPr>
+            <a:picLocks noChangeAspect="1"/>
+          </p:cNvPicPr>
+          <p:nvPr/>
+        </p:nvPicPr>
+        <p:blipFill>
+          <a:blip r:embed="rId1"/>
+          <a:stretch>
+            <a:fillRect/>
+          </a:stretch>
+        </p:blipFill>
+        <p:spPr>
+          <a:xfrm>
+            <a:off x="108585" y="6128385"/>
+            <a:ext cx="1650365" cy="634365"/>
+          </a:xfrm>
+          <a:prstGeom prst="rect">
+            <a:avLst/>
+          </a:prstGeom>
+        </p:spPr>
+      </p:pic>
+      <p:pic>
+        <p:nvPicPr>
+          <p:cNvPr id="6" name="Picture 5" descr="bdedu_logo"/>
+          <p:cNvPicPr>
+            <a:picLocks noChangeAspect="1"/>
+          </p:cNvPicPr>
+          <p:nvPr/>
+        </p:nvPicPr>
+        <p:blipFill>
+          <a:blip r:embed="rId2"/>
+          <a:stretch>
+            <a:fillRect/>
+          </a:stretch>
+        </p:blipFill>
+        <p:spPr>
+          <a:xfrm>
+            <a:off x="9421495" y="6061710"/>
+            <a:ext cx="2693670" cy="701040"/>
+          </a:xfrm>
+          <a:prstGeom prst="rect">
+            <a:avLst/>
+          </a:prstGeom>
+        </p:spPr>
+      </p:pic>
+      <p:pic>
+        <p:nvPicPr>
+          <p:cNvPr id="8" name="Picture 7"/>
+          <p:cNvPicPr>
+            <a:picLocks noChangeAspect="1"/>
+          </p:cNvPicPr>
+          <p:nvPr/>
+        </p:nvPicPr>
+        <p:blipFill>
+          <a:blip r:embed="rId3">
+            <a:clrChange>
+              <a:clrFrom>
+                <a:srgbClr val="FFFFFF">
+                  <a:alpha val="100000"/>
+                </a:srgbClr>
+              </a:clrFrom>
+              <a:clrTo>
+                <a:srgbClr val="FFFFFF">
+                  <a:alpha val="100000"/>
+                  <a:alpha val="0"/>
+                </a:srgbClr>
+              </a:clrTo>
+            </a:clrChange>
+          </a:blip>
+          <a:stretch>
+            <a:fillRect/>
+          </a:stretch>
+        </p:blipFill>
+        <p:spPr>
+          <a:xfrm>
+            <a:off x="-196215" y="137795"/>
+            <a:ext cx="4137660" cy="1896745"/>
+          </a:xfrm>
+          <a:prstGeom prst="rect">
+            <a:avLst/>
+          </a:prstGeom>
+        </p:spPr>
+      </p:pic>
+      <p:pic>
+        <p:nvPicPr>
+          <p:cNvPr id="11" name="Picture 10"/>
+          <p:cNvPicPr>
+            <a:picLocks noChangeAspect="1"/>
+          </p:cNvPicPr>
+          <p:nvPr/>
+        </p:nvPicPr>
+        <p:blipFill>
+          <a:blip r:embed="rId4">
+            <a:clrChange>
+              <a:clrFrom>
+                <a:srgbClr val="F6F6F6">
+                  <a:alpha val="100000"/>
+                </a:srgbClr>
+              </a:clrFrom>
+              <a:clrTo>
+                <a:srgbClr val="F6F6F6">
+                  <a:alpha val="100000"/>
+                  <a:alpha val="0"/>
+                </a:srgbClr>
+              </a:clrTo>
+            </a:clrChange>
+          </a:blip>
+          <a:stretch>
+            <a:fillRect/>
+          </a:stretch>
+        </p:blipFill>
+        <p:spPr>
+          <a:xfrm>
+            <a:off x="8582025" y="3488690"/>
+            <a:ext cx="2137410" cy="2308860"/>
+          </a:xfrm>
+          <a:prstGeom prst="rect">
+            <a:avLst/>
+          </a:prstGeom>
+        </p:spPr>
+      </p:pic>
+    </p:spTree>
+  </p:cSld>
+  <p:clrMapOvr>
+    <a:masterClrMapping/>
+  </p:clrMapOvr>
+</p:sld>
+</file>
+
+<file path=ppt/slides/slide2.xml><?xml version="1.0" encoding="utf-8"?>
 <p:sld xmlns:a="http://schemas.openxmlformats.org/drawingml/2006/main" xmlns:r="http://schemas.openxmlformats.org/officeDocument/2006/relationships" xmlns:p="http://schemas.openxmlformats.org/presentationml/2006/main">
   <p:cSld>
     <p:spTree>
@@ -4403,7 +4364,7 @@
         <p:spPr>
           <a:xfrm>
             <a:off x="1675130" y="354330"/>
-            <a:ext cx="7353300" cy="645160"/>
+            <a:ext cx="7353300" cy="768350"/>
           </a:xfrm>
           <a:prstGeom prst="rect">
             <a:avLst/>
@@ -4416,7 +4377,7 @@
           </a:bodyPr>
           <a:p>
             <a:r>
-              <a:rPr lang="en-US" altLang="en-US" sz="3600" b="1">
+              <a:rPr lang="en-US" altLang="en-US" sz="4400" b="1">
                 <a:ln w="10160">
                   <a:solidFill>
                     <a:schemeClr val="accent5"/>
@@ -4436,9 +4397,9 @@
                 <a:latin typeface="Tibetan Machine Uni" panose="01000503020000020002" charset="0"/>
                 <a:cs typeface="Tibetan Machine Uni" panose="01000503020000020002" charset="0"/>
               </a:rPr>
-              <a:t>DNS Spoofing</a:t>
-            </a:r>
-            <a:endParaRPr lang="en-US" altLang="en-US" sz="3600" b="1">
+              <a:t>Email Hijacking</a:t>
+            </a:r>
+            <a:endParaRPr lang="en-US" altLang="en-US" sz="4400" b="1">
               <a:ln w="10160">
                 <a:solidFill>
                   <a:schemeClr val="accent5"/>
@@ -4461,39 +4422,77 @@
           </a:p>
         </p:txBody>
       </p:sp>
+      <p:sp>
+        <p:nvSpPr>
+          <p:cNvPr id="100" name="Text Box 99"/>
+          <p:cNvSpPr txBox="1"/>
+          <p:nvPr/>
+        </p:nvSpPr>
+        <p:spPr>
+          <a:xfrm>
+            <a:off x="2124710" y="5391150"/>
+            <a:ext cx="7412355" cy="521970"/>
+          </a:xfrm>
+          <a:prstGeom prst="rect">
+            <a:avLst/>
+          </a:prstGeom>
+          <a:noFill/>
+          <a:ln w="9525">
+            <a:noFill/>
+          </a:ln>
+        </p:spPr>
+        <p:txBody>
+          <a:bodyPr wrap="square">
+            <a:spAutoFit/>
+          </a:bodyPr>
+          <a:p>
+            <a:pPr marL="0" indent="0"/>
+            <a:r>
+              <a:rPr lang="en-US" sz="2800" b="0">
+                <a:latin typeface="Calibri" charset="0"/>
+                <a:cs typeface="SimSun" charset="0"/>
+              </a:rPr>
+              <a:t>tak</a:t>
+            </a:r>
+            <a:r>
+              <a:rPr lang="" altLang="en-US" sz="2800" b="0">
+                <a:latin typeface="Calibri" charset="0"/>
+                <a:cs typeface="SimSun" charset="0"/>
+              </a:rPr>
+              <a:t>ing</a:t>
+            </a:r>
+            <a:r>
+              <a:rPr lang="en-US" sz="2800" b="0">
+                <a:latin typeface="Calibri" charset="0"/>
+                <a:cs typeface="SimSun" charset="0"/>
+              </a:rPr>
+              <a:t> the full control of a target email</a:t>
+            </a:r>
+            <a:endParaRPr lang="en-US" sz="2800" b="0">
+              <a:latin typeface="Calibri" charset="0"/>
+              <a:cs typeface="SimSun" charset="0"/>
+            </a:endParaRPr>
+          </a:p>
+        </p:txBody>
+      </p:sp>
       <p:pic>
         <p:nvPicPr>
-          <p:cNvPr id="9" name="Picture 6" descr="IMG_256"/>
+          <p:cNvPr id="2" name="Picture 1" descr="IMG_256"/>
           <p:cNvPicPr>
             <a:picLocks noChangeAspect="1"/>
           </p:cNvPicPr>
           <p:nvPr/>
         </p:nvPicPr>
         <p:blipFill>
-          <a:blip r:embed="rId4">
-            <a:clrChange>
-              <a:clrFrom>
-                <a:srgbClr val="F5F5F5">
-                  <a:alpha val="100000"/>
-                </a:srgbClr>
-              </a:clrFrom>
-              <a:clrTo>
-                <a:srgbClr val="F5F5F5">
-                  <a:alpha val="100000"/>
-                  <a:alpha val="0"/>
-                </a:srgbClr>
-              </a:clrTo>
-            </a:clrChange>
-            <a:lum bright="-6000"/>
-          </a:blip>
+          <a:blip r:embed="rId4"/>
           <a:stretch>
             <a:fillRect/>
           </a:stretch>
         </p:blipFill>
         <p:spPr>
           <a:xfrm>
-            <a:off x="2157095" y="1607185"/>
-            <a:ext cx="8255635" cy="4129405"/>
+            <a:off x="2489835" y="1471930"/>
+            <a:ext cx="6681470" cy="3636645"/>
           </a:xfrm>
           <a:prstGeom prst="rect">
             <a:avLst/>
@@ -4512,7 +4511,7 @@
 </p:sld>
 </file>
 
-<file path=ppt/slides/slide4.xml><?xml version="1.0" encoding="utf-8"?>
+<file path=ppt/slides/slide3.xml><?xml version="1.0" encoding="utf-8"?>
 <p:sld xmlns:a="http://schemas.openxmlformats.org/drawingml/2006/main" xmlns:r="http://schemas.openxmlformats.org/officeDocument/2006/relationships" xmlns:p="http://schemas.openxmlformats.org/presentationml/2006/main">
   <p:cSld>
     <p:spTree>
@@ -4706,7 +4705,7 @@
         <p:spPr>
           <a:xfrm>
             <a:off x="1675130" y="354330"/>
-            <a:ext cx="7353300" cy="583565"/>
+            <a:ext cx="7353300" cy="768350"/>
           </a:xfrm>
           <a:prstGeom prst="rect">
             <a:avLst/>
@@ -4719,7 +4718,7 @@
           </a:bodyPr>
           <a:p>
             <a:r>
-              <a:rPr lang="en-US" altLang="en-US" sz="3200" b="1">
+              <a:rPr lang="en-US" altLang="en-US" sz="4400" b="1">
                 <a:ln w="10160">
                   <a:solidFill>
                     <a:schemeClr val="accent5"/>
@@ -4739,9 +4738,9 @@
                 <a:latin typeface="Tibetan Machine Uni" panose="01000503020000020002" charset="0"/>
                 <a:cs typeface="Tibetan Machine Uni" panose="01000503020000020002" charset="0"/>
               </a:rPr>
-              <a:t>Defenses against DNS Poisoning</a:t>
-            </a:r>
-            <a:endParaRPr lang="en-US" altLang="en-US" sz="3200" b="1">
+              <a:t>Email Spoofing</a:t>
+            </a:r>
+            <a:endParaRPr lang="en-US" altLang="en-US" sz="4400" b="1">
               <a:ln w="10160">
                 <a:solidFill>
                   <a:schemeClr val="accent5"/>
@@ -4764,16 +4763,39 @@
           </a:p>
         </p:txBody>
       </p:sp>
-      <p:sp>
-        <p:nvSpPr>
-          <p:cNvPr id="100" name="Text Box 99"/>
-          <p:cNvSpPr txBox="1"/>
-          <p:nvPr/>
-        </p:nvSpPr>
-        <p:spPr>
-          <a:xfrm>
-            <a:off x="7054215" y="3496945"/>
-            <a:ext cx="5080000" cy="829945"/>
+      <p:pic>
+        <p:nvPicPr>
+          <p:cNvPr id="2" name="Picture 2" descr="IMG_256"/>
+          <p:cNvPicPr>
+            <a:picLocks noChangeAspect="1"/>
+          </p:cNvPicPr>
+          <p:nvPr/>
+        </p:nvPicPr>
+        <p:blipFill>
+          <a:blip r:embed="rId4">
+            <a:clrChange>
+              <a:clrFrom>
+                <a:srgbClr val="FFF5E9">
+                  <a:alpha val="100000"/>
+                </a:srgbClr>
+              </a:clrFrom>
+              <a:clrTo>
+                <a:srgbClr val="FFF5E9">
+                  <a:alpha val="100000"/>
+                  <a:alpha val="0"/>
+                </a:srgbClr>
+              </a:clrTo>
+            </a:clrChange>
+            <a:lum bright="-6000"/>
+          </a:blip>
+          <a:stretch>
+            <a:fillRect/>
+          </a:stretch>
+        </p:blipFill>
+        <p:spPr>
+          <a:xfrm>
+            <a:off x="5455285" y="1704340"/>
+            <a:ext cx="5734050" cy="2990850"/>
           </a:xfrm>
           <a:prstGeom prst="rect">
             <a:avLst/>
@@ -4783,64 +4805,52 @@
             <a:noFill/>
           </a:ln>
         </p:spPr>
+      </p:pic>
+      <p:sp>
+        <p:nvSpPr>
+          <p:cNvPr id="3" name="Text Box 2"/>
+          <p:cNvSpPr txBox="1"/>
+          <p:nvPr/>
+        </p:nvSpPr>
+        <p:spPr>
+          <a:xfrm>
+            <a:off x="108585" y="2644775"/>
+            <a:ext cx="5080000" cy="1753235"/>
+          </a:xfrm>
+          <a:prstGeom prst="rect">
+            <a:avLst/>
+          </a:prstGeom>
+          <a:noFill/>
+          <a:ln w="9525">
+            <a:noFill/>
+          </a:ln>
+        </p:spPr>
         <p:txBody>
           <a:bodyPr>
             <a:spAutoFit/>
           </a:bodyPr>
           <a:p>
-            <a:pPr marL="0" indent="0"/>
-            <a:r>
-              <a:rPr lang="en-US" sz="2400" b="0">
+            <a:pPr marL="0" indent="0" algn="l"/>
+            <a:r>
+              <a:rPr lang="en-US" b="1">
+                <a:solidFill>
+                  <a:srgbClr val="1E1C11"/>
+                </a:solidFill>
                 <a:latin typeface="Calibri" charset="0"/>
                 <a:cs typeface="SimSun" charset="0"/>
               </a:rPr>
-              <a:t>Use a hardware-switched network</a:t>
-            </a:r>
-            <a:endParaRPr lang="en-US" sz="2400" b="0">
+              <a:t> the spammer sends emails from a known domain, so the receiver thinks that he knows this person and opens the mail. Such mails normally contain suspicious links, doubtful content, requests to transfer money, etc.</a:t>
+            </a:r>
+            <a:endParaRPr lang="en-US" b="1">
+              <a:solidFill>
+                <a:srgbClr val="1E1C11"/>
+              </a:solidFill>
               <a:latin typeface="Calibri" charset="0"/>
               <a:cs typeface="SimSun" charset="0"/>
             </a:endParaRPr>
           </a:p>
         </p:txBody>
       </p:sp>
-      <p:pic>
-        <p:nvPicPr>
-          <p:cNvPr id="4" name="Picture 3"/>
-          <p:cNvPicPr>
-            <a:picLocks noChangeAspect="1"/>
-          </p:cNvPicPr>
-          <p:nvPr/>
-        </p:nvPicPr>
-        <p:blipFill>
-          <a:blip r:embed="rId4">
-            <a:clrChange>
-              <a:clrFrom>
-                <a:srgbClr val="FFFFFF">
-                  <a:alpha val="100000"/>
-                </a:srgbClr>
-              </a:clrFrom>
-              <a:clrTo>
-                <a:srgbClr val="FFFFFF">
-                  <a:alpha val="100000"/>
-                  <a:alpha val="0"/>
-                </a:srgbClr>
-              </a:clrTo>
-            </a:clrChange>
-          </a:blip>
-          <a:stretch>
-            <a:fillRect/>
-          </a:stretch>
-        </p:blipFill>
-        <p:spPr>
-          <a:xfrm>
-            <a:off x="326390" y="1551305"/>
-            <a:ext cx="6056630" cy="3756025"/>
-          </a:xfrm>
-          <a:prstGeom prst="rect">
-            <a:avLst/>
-          </a:prstGeom>
-        </p:spPr>
-      </p:pic>
     </p:spTree>
   </p:cSld>
   <p:clrMapOvr>
@@ -4849,7 +4859,7 @@
 </p:sld>
 </file>
 
-<file path=ppt/slides/slide5.xml><?xml version="1.0" encoding="utf-8"?>
+<file path=ppt/slides/slide4.xml><?xml version="1.0" encoding="utf-8"?>
 <p:sld xmlns:a="http://schemas.openxmlformats.org/drawingml/2006/main" xmlns:r="http://schemas.openxmlformats.org/officeDocument/2006/relationships" xmlns:p="http://schemas.openxmlformats.org/presentationml/2006/main">
   <p:cSld>
     <p:spTree>
@@ -5043,7 +5053,7 @@
         <p:spPr>
           <a:xfrm>
             <a:off x="1675130" y="354330"/>
-            <a:ext cx="7353300" cy="583565"/>
+            <a:ext cx="7353300" cy="768350"/>
           </a:xfrm>
           <a:prstGeom prst="rect">
             <a:avLst/>
@@ -5056,7 +5066,7 @@
           </a:bodyPr>
           <a:p>
             <a:r>
-              <a:rPr lang="en-US" altLang="en-US" sz="3200" b="1">
+              <a:rPr lang="en-US" altLang="en-US" sz="4400" b="1">
                 <a:ln w="10160">
                   <a:solidFill>
                     <a:schemeClr val="accent5"/>
@@ -5076,9 +5086,9 @@
                 <a:latin typeface="Tibetan Machine Uni" panose="01000503020000020002" charset="0"/>
                 <a:cs typeface="Tibetan Machine Uni" panose="01000503020000020002" charset="0"/>
               </a:rPr>
-              <a:t>Defenses against DNS Poisoning</a:t>
-            </a:r>
-            <a:endParaRPr lang="en-US" altLang="en-US" sz="3200" b="1">
+              <a:t>Social Engineering</a:t>
+            </a:r>
+            <a:endParaRPr lang="en-US" altLang="en-US" sz="4400" b="1">
               <a:ln w="10160">
                 <a:solidFill>
                   <a:schemeClr val="accent5"/>
@@ -5101,16 +5111,55 @@
           </a:p>
         </p:txBody>
       </p:sp>
-      <p:sp>
-        <p:nvSpPr>
-          <p:cNvPr id="100" name="Text Box 99"/>
+      <p:pic>
+        <p:nvPicPr>
+          <p:cNvPr id="2" name="Picture 1"/>
+          <p:cNvPicPr>
+            <a:picLocks noChangeAspect="1"/>
+          </p:cNvPicPr>
+          <p:nvPr/>
+        </p:nvPicPr>
+        <p:blipFill>
+          <a:blip r:embed="rId4">
+            <a:clrChange>
+              <a:clrFrom>
+                <a:srgbClr val="E6E6E6">
+                  <a:alpha val="100000"/>
+                </a:srgbClr>
+              </a:clrFrom>
+              <a:clrTo>
+                <a:srgbClr val="E6E6E6">
+                  <a:alpha val="100000"/>
+                  <a:alpha val="0"/>
+                </a:srgbClr>
+              </a:clrTo>
+            </a:clrChange>
+            <a:lum bright="-6000"/>
+          </a:blip>
+          <a:stretch>
+            <a:fillRect/>
+          </a:stretch>
+        </p:blipFill>
+        <p:spPr>
+          <a:xfrm>
+            <a:off x="108585" y="1643380"/>
+            <a:ext cx="5831205" cy="3790315"/>
+          </a:xfrm>
+          <a:prstGeom prst="rect">
+            <a:avLst/>
+          </a:prstGeom>
+        </p:spPr>
+      </p:pic>
+      <p:sp>
+        <p:nvSpPr>
+          <p:cNvPr id="3" name="Text Box 2"/>
           <p:cNvSpPr txBox="1"/>
           <p:nvPr/>
         </p:nvSpPr>
         <p:spPr>
           <a:xfrm>
-            <a:off x="2501265" y="5268595"/>
-            <a:ext cx="8527415" cy="460375"/>
+            <a:off x="6790055" y="2200275"/>
+            <a:ext cx="5080000" cy="2676525"/>
           </a:xfrm>
           <a:prstGeom prst="rect">
             <a:avLst/>
@@ -5121,63 +5170,25 @@
           </a:ln>
         </p:spPr>
         <p:txBody>
-          <a:bodyPr wrap="square">
+          <a:bodyPr>
             <a:spAutoFit/>
           </a:bodyPr>
           <a:p>
             <a:pPr marL="0" indent="0"/>
             <a:r>
-              <a:rPr lang="en-US" sz="2400" b="0">
+              <a:rPr lang="en-US" sz="2800" b="0">
                 <a:latin typeface="Calibri" charset="0"/>
                 <a:cs typeface="SimSun" charset="0"/>
               </a:rPr>
-              <a:t>Implement IP DHCP Snooping on switches</a:t>
-            </a:r>
-            <a:endParaRPr lang="en-US" sz="2400" b="0">
+              <a:t>Spammers send promotional mails to different users, offering huge discount and tricking them to fill their personal data</a:t>
+            </a:r>
+            <a:endParaRPr lang="en-US" sz="2800" b="0">
               <a:latin typeface="Calibri" charset="0"/>
               <a:cs typeface="SimSun" charset="0"/>
             </a:endParaRPr>
           </a:p>
         </p:txBody>
       </p:sp>
-      <p:pic>
-        <p:nvPicPr>
-          <p:cNvPr id="3" name="Picture 2"/>
-          <p:cNvPicPr>
-            <a:picLocks noChangeAspect="1"/>
-          </p:cNvPicPr>
-          <p:nvPr/>
-        </p:nvPicPr>
-        <p:blipFill>
-          <a:blip r:embed="rId4">
-            <a:clrChange>
-              <a:clrFrom>
-                <a:srgbClr val="FFFFFF">
-                  <a:alpha val="100000"/>
-                </a:srgbClr>
-              </a:clrFrom>
-              <a:clrTo>
-                <a:srgbClr val="FFFFFF">
-                  <a:alpha val="100000"/>
-                  <a:alpha val="0"/>
-                </a:srgbClr>
-              </a:clrTo>
-            </a:clrChange>
-          </a:blip>
-          <a:stretch>
-            <a:fillRect/>
-          </a:stretch>
-        </p:blipFill>
-        <p:spPr>
-          <a:xfrm>
-            <a:off x="3245485" y="1757045"/>
-            <a:ext cx="6787515" cy="3054350"/>
-          </a:xfrm>
-          <a:prstGeom prst="rect">
-            <a:avLst/>
-          </a:prstGeom>
-        </p:spPr>
-      </p:pic>
     </p:spTree>
   </p:cSld>
   <p:clrMapOvr>
@@ -5186,7 +5197,7 @@
 </p:sld>
 </file>
 
-<file path=ppt/slides/slide6.xml><?xml version="1.0" encoding="utf-8"?>
+<file path=ppt/slides/slide5.xml><?xml version="1.0" encoding="utf-8"?>
 <p:sld xmlns:a="http://schemas.openxmlformats.org/drawingml/2006/main" xmlns:r="http://schemas.openxmlformats.org/officeDocument/2006/relationships" xmlns:p="http://schemas.openxmlformats.org/presentationml/2006/main">
   <p:cSld>
     <p:spTree>
@@ -5380,7 +5391,7 @@
         <p:spPr>
           <a:xfrm>
             <a:off x="1675130" y="354330"/>
-            <a:ext cx="7353300" cy="583565"/>
+            <a:ext cx="7353300" cy="768350"/>
           </a:xfrm>
           <a:prstGeom prst="rect">
             <a:avLst/>
@@ -5393,7 +5404,7 @@
           </a:bodyPr>
           <a:p>
             <a:r>
-              <a:rPr lang="en-US" altLang="en-US" sz="3200" b="1">
+              <a:rPr lang="en-US" altLang="en-US" sz="4400" b="1">
                 <a:ln w="10160">
                   <a:solidFill>
                     <a:schemeClr val="accent5"/>
@@ -5413,9 +5424,9 @@
                 <a:latin typeface="Tibetan Machine Uni" panose="01000503020000020002" charset="0"/>
                 <a:cs typeface="Tibetan Machine Uni" panose="01000503020000020002" charset="0"/>
               </a:rPr>
-              <a:t>Defenses against DNS Poisoning</a:t>
-            </a:r>
-            <a:endParaRPr lang="en-US" altLang="en-US" sz="3200" b="1">
+              <a:t>Inserting Viruses</a:t>
+            </a:r>
+            <a:endParaRPr lang="en-US" altLang="en-US" sz="4400" b="1">
               <a:ln w="10160">
                 <a:solidFill>
                   <a:schemeClr val="accent5"/>
@@ -5438,62 +5449,9 @@
           </a:p>
         </p:txBody>
       </p:sp>
-      <p:sp>
-        <p:nvSpPr>
-          <p:cNvPr id="100" name="Text Box 99"/>
-          <p:cNvSpPr txBox="1"/>
-          <p:nvPr/>
-        </p:nvSpPr>
-        <p:spPr>
-          <a:xfrm>
-            <a:off x="7656830" y="3610610"/>
-            <a:ext cx="3696335" cy="1198880"/>
-          </a:xfrm>
-          <a:prstGeom prst="rect">
-            <a:avLst/>
-          </a:prstGeom>
-          <a:noFill/>
-          <a:ln w="9525">
-            <a:noFill/>
-          </a:ln>
-        </p:spPr>
-        <p:txBody>
-          <a:bodyPr wrap="square">
-            <a:spAutoFit/>
-          </a:bodyPr>
-          <a:p>
-            <a:pPr marL="0" indent="0"/>
-            <a:r>
-              <a:rPr lang="en-US" sz="2400" b="0">
-                <a:latin typeface="Calibri" charset="0"/>
-                <a:cs typeface="SimSun" charset="0"/>
-              </a:rPr>
-              <a:t>Be careful when deploying </a:t>
-            </a:r>
-            <a:endParaRPr lang="en-US" sz="2400" b="0">
-              <a:latin typeface="Calibri" charset="0"/>
-              <a:cs typeface="SimSun" charset="0"/>
-            </a:endParaRPr>
-          </a:p>
-          <a:p>
-            <a:pPr marL="0" indent="0"/>
-            <a:r>
-              <a:rPr lang="en-US" sz="2400" b="0">
-                <a:latin typeface="Calibri" charset="0"/>
-                <a:cs typeface="SimSun" charset="0"/>
-              </a:rPr>
-              <a:t>wireless access points</a:t>
-            </a:r>
-            <a:endParaRPr lang="en-US" sz="2400" b="0">
-              <a:latin typeface="Calibri" charset="0"/>
-              <a:cs typeface="SimSun" charset="0"/>
-            </a:endParaRPr>
-          </a:p>
-        </p:txBody>
-      </p:sp>
       <p:pic>
         <p:nvPicPr>
-          <p:cNvPr id="4" name="Picture 3"/>
+          <p:cNvPr id="11" name="Picture 10"/>
           <p:cNvPicPr>
             <a:picLocks noChangeAspect="1"/>
           </p:cNvPicPr>
@@ -5514,22 +5472,61 @@
                 </a:srgbClr>
               </a:clrTo>
             </a:clrChange>
-            <a:lum bright="-12000"/>
           </a:blip>
+          <a:srcRect l="7940" r="7951"/>
           <a:stretch>
             <a:fillRect/>
           </a:stretch>
         </p:blipFill>
         <p:spPr>
           <a:xfrm>
-            <a:off x="440690" y="1100455"/>
-            <a:ext cx="5023485" cy="5027930"/>
+            <a:off x="5726430" y="1464945"/>
+            <a:ext cx="7270115" cy="4862195"/>
           </a:xfrm>
           <a:prstGeom prst="rect">
             <a:avLst/>
           </a:prstGeom>
         </p:spPr>
       </p:pic>
+      <p:sp>
+        <p:nvSpPr>
+          <p:cNvPr id="100" name="Text Box 99"/>
+          <p:cNvSpPr txBox="1"/>
+          <p:nvPr/>
+        </p:nvSpPr>
+        <p:spPr>
+          <a:xfrm>
+            <a:off x="822960" y="2921000"/>
+            <a:ext cx="5080000" cy="1568450"/>
+          </a:xfrm>
+          <a:prstGeom prst="rect">
+            <a:avLst/>
+          </a:prstGeom>
+          <a:noFill/>
+          <a:ln w="9525">
+            <a:noFill/>
+          </a:ln>
+        </p:spPr>
+        <p:txBody>
+          <a:bodyPr>
+            <a:spAutoFit/>
+          </a:bodyPr>
+          <a:p>
+            <a:pPr marL="0" indent="0"/>
+            <a:r>
+              <a:rPr lang="en-US" sz="3200" b="0">
+                <a:latin typeface="Calibri" charset="0"/>
+                <a:cs typeface="SimSun" charset="0"/>
+              </a:rPr>
+              <a:t>With the help of a virus, a hacker can take all your passwords</a:t>
+            </a:r>
+            <a:endParaRPr lang="en-US" sz="3200" b="0">
+              <a:latin typeface="Calibri" charset="0"/>
+              <a:cs typeface="SimSun" charset="0"/>
+            </a:endParaRPr>
+          </a:p>
+        </p:txBody>
+      </p:sp>
     </p:spTree>
   </p:cSld>
   <p:clrMapOvr>
@@ -5538,7 +5535,7 @@
 </p:sld>
 </file>
 
-<file path=ppt/slides/slide7.xml><?xml version="1.0" encoding="utf-8"?>
+<file path=ppt/slides/slide6.xml><?xml version="1.0" encoding="utf-8"?>
 <p:sld xmlns:a="http://schemas.openxmlformats.org/drawingml/2006/main" xmlns:r="http://schemas.openxmlformats.org/officeDocument/2006/relationships" xmlns:p="http://schemas.openxmlformats.org/presentationml/2006/main">
   <p:cSld>
     <p:spTree>
@@ -5732,7 +5729,7 @@
         <p:spPr>
           <a:xfrm>
             <a:off x="1675130" y="354330"/>
-            <a:ext cx="7353300" cy="583565"/>
+            <a:ext cx="7353300" cy="768350"/>
           </a:xfrm>
           <a:prstGeom prst="rect">
             <a:avLst/>
@@ -5745,7 +5742,7 @@
           </a:bodyPr>
           <a:p>
             <a:r>
-              <a:rPr lang="en-US" altLang="en-US" sz="3200" b="1">
+              <a:rPr lang="en-US" altLang="en-US" sz="4400" b="1">
                 <a:ln w="10160">
                   <a:solidFill>
                     <a:schemeClr val="accent5"/>
@@ -5765,9 +5762,9 @@
                 <a:latin typeface="Tibetan Machine Uni" panose="01000503020000020002" charset="0"/>
                 <a:cs typeface="Tibetan Machine Uni" panose="01000503020000020002" charset="0"/>
               </a:rPr>
-              <a:t>Defenses against DNS Poisoning</a:t>
-            </a:r>
-            <a:endParaRPr lang="en-US" altLang="en-US" sz="3200" b="1">
+              <a:t>How to detect?</a:t>
+            </a:r>
+            <a:endParaRPr lang="en-US" altLang="en-US" sz="4400" b="1">
               <a:ln w="10160">
                 <a:solidFill>
                   <a:schemeClr val="accent5"/>
@@ -5792,14 +5789,14 @@
       </p:sp>
       <p:sp>
         <p:nvSpPr>
-          <p:cNvPr id="100" name="Text Box 99"/>
+          <p:cNvPr id="3" name="Text Box 2"/>
           <p:cNvSpPr txBox="1"/>
           <p:nvPr/>
         </p:nvSpPr>
         <p:spPr>
           <a:xfrm>
-            <a:off x="7656830" y="3610610"/>
-            <a:ext cx="3696335" cy="829945"/>
+            <a:off x="5565140" y="2538730"/>
+            <a:ext cx="6297295" cy="3169285"/>
           </a:xfrm>
           <a:prstGeom prst="rect">
             <a:avLst/>
@@ -5814,62 +5811,90 @@
             <a:spAutoFit/>
           </a:bodyPr>
           <a:p>
-            <a:pPr marL="0" indent="0"/>
-            <a:r>
-              <a:rPr lang="en-US" sz="2400" b="0">
+            <a:pPr marL="457200" indent="-457200">
+              <a:buFont typeface="Arial" panose="02080604020202020204" pitchFamily="34" charset="0"/>
+              <a:buChar char="•"/>
+            </a:pPr>
+            <a:r>
+              <a:rPr lang="en-US" sz="4000" b="0">
                 <a:latin typeface="Calibri" charset="0"/>
                 <a:cs typeface="SimSun" charset="0"/>
               </a:rPr>
-              <a:t>Encrypt your sensitive traffic</a:t>
-            </a:r>
-            <a:endParaRPr lang="en-US" sz="2400" b="0">
+              <a:t>spam emails </a:t>
+            </a:r>
+            <a:r>
+              <a:rPr lang="en-US" altLang="en-US" sz="4000" b="0">
+                <a:latin typeface="Calibri" charset="0"/>
+                <a:cs typeface="SimSun" charset="0"/>
+              </a:rPr>
+              <a:t>included your known person</a:t>
+            </a:r>
+            <a:endParaRPr lang="en-US" altLang="en-US" sz="4000" b="0">
               <a:latin typeface="Calibri" charset="0"/>
               <a:cs typeface="SimSun" charset="0"/>
             </a:endParaRPr>
           </a:p>
+          <a:p>
+            <a:pPr marL="457200" indent="-457200">
+              <a:buFont typeface="Arial" panose="02080604020202020204" pitchFamily="34" charset="0"/>
+              <a:buChar char="•"/>
+            </a:pPr>
+            <a:r>
+              <a:rPr lang="en-US" altLang="en-US" sz="4000" b="0">
+                <a:latin typeface="Calibri" charset="0"/>
+                <a:cs typeface="SimSun" charset="0"/>
+              </a:rPr>
+              <a:t>your password works </a:t>
+            </a:r>
+            <a:r>
+              <a:rPr lang="en-US" altLang="en-US" sz="4000">
+                <a:latin typeface="Calibri" charset="0"/>
+                <a:cs typeface="SimSun" charset="0"/>
+                <a:sym typeface="+mn-ea"/>
+              </a:rPr>
+              <a:t>no longer </a:t>
+            </a:r>
+            <a:endParaRPr lang="en-US" altLang="en-US" sz="4000">
+              <a:latin typeface="Calibri" charset="0"/>
+              <a:cs typeface="SimSun" charset="0"/>
+              <a:sym typeface="+mn-ea"/>
+            </a:endParaRPr>
+          </a:p>
+          <a:p>
+            <a:pPr indent="0">
+              <a:buFont typeface="Arial" panose="02080604020202020204" pitchFamily="34" charset="0"/>
+              <a:buNone/>
+            </a:pPr>
+            <a:endParaRPr lang="en-US" altLang="en-US" sz="4000" b="0">
+              <a:latin typeface="Calibri" charset="0"/>
+              <a:cs typeface="SimSun" charset="0"/>
+              <a:sym typeface="+mn-ea"/>
+            </a:endParaRPr>
+          </a:p>
         </p:txBody>
       </p:sp>
       <p:pic>
         <p:nvPicPr>
-          <p:cNvPr id="11" name="Picture 8" descr="IMG_256"/>
+          <p:cNvPr id="4" name="Picture 3"/>
           <p:cNvPicPr>
             <a:picLocks noChangeAspect="1"/>
           </p:cNvPicPr>
           <p:nvPr/>
         </p:nvPicPr>
         <p:blipFill>
-          <a:blip r:embed="rId4">
-            <a:clrChange>
-              <a:clrFrom>
-                <a:srgbClr val="FFFFFF">
-                  <a:alpha val="100000"/>
-                </a:srgbClr>
-              </a:clrFrom>
-              <a:clrTo>
-                <a:srgbClr val="FFFFFF">
-                  <a:alpha val="100000"/>
-                  <a:alpha val="0"/>
-                </a:srgbClr>
-              </a:clrTo>
-            </a:clrChange>
-            <a:lum bright="-6000"/>
-          </a:blip>
+          <a:blip r:embed="rId4"/>
           <a:stretch>
             <a:fillRect/>
           </a:stretch>
         </p:blipFill>
         <p:spPr>
           <a:xfrm>
-            <a:off x="974090" y="2125980"/>
-            <a:ext cx="6317615" cy="3159760"/>
+            <a:off x="96520" y="2035810"/>
+            <a:ext cx="5337175" cy="3569970"/>
           </a:xfrm>
           <a:prstGeom prst="rect">
             <a:avLst/>
           </a:prstGeom>
-          <a:noFill/>
-          <a:ln w="9525">
-            <a:noFill/>
-          </a:ln>
         </p:spPr>
       </p:pic>
     </p:spTree>
@@ -5880,7 +5905,7 @@
 </p:sld>
 </file>
 
-<file path=ppt/slides/slide8.xml><?xml version="1.0" encoding="utf-8"?>
+<file path=ppt/slides/slide7.xml><?xml version="1.0" encoding="utf-8"?>
 <p:sld xmlns:a="http://schemas.openxmlformats.org/drawingml/2006/main" xmlns:r="http://schemas.openxmlformats.org/officeDocument/2006/relationships" xmlns:p="http://schemas.openxmlformats.org/presentationml/2006/main">
   <p:cSld>
     <p:spTree>
@@ -6074,7 +6099,7 @@
         <p:spPr>
           <a:xfrm>
             <a:off x="1675130" y="354330"/>
-            <a:ext cx="7353300" cy="583565"/>
+            <a:ext cx="7353300" cy="768350"/>
           </a:xfrm>
           <a:prstGeom prst="rect">
             <a:avLst/>
@@ -6087,7 +6112,7 @@
           </a:bodyPr>
           <a:p>
             <a:r>
-              <a:rPr lang="en-US" altLang="en-US" sz="3200" b="1">
+              <a:rPr altLang="en-US" sz="4400" b="1">
                 <a:ln w="10160">
                   <a:solidFill>
                     <a:schemeClr val="accent5"/>
@@ -6107,9 +6132,9 @@
                 <a:latin typeface="Tibetan Machine Uni" panose="01000503020000020002" charset="0"/>
                 <a:cs typeface="Tibetan Machine Uni" panose="01000503020000020002" charset="0"/>
               </a:rPr>
-              <a:t>Defenses against DNS Poisoning</a:t>
-            </a:r>
-            <a:endParaRPr lang="en-US" altLang="en-US" sz="3200" b="1">
+              <a:t>Password Hacking</a:t>
+            </a:r>
+            <a:endParaRPr altLang="en-US" sz="4400" b="1">
               <a:ln w="10160">
                 <a:solidFill>
                   <a:schemeClr val="accent5"/>
@@ -6140,8 +6165,8 @@
         </p:nvSpPr>
         <p:spPr>
           <a:xfrm>
-            <a:off x="265430" y="4022725"/>
-            <a:ext cx="6382385" cy="829945"/>
+            <a:off x="6910070" y="2921000"/>
+            <a:ext cx="5080000" cy="953135"/>
           </a:xfrm>
           <a:prstGeom prst="rect">
             <a:avLst/>
@@ -6152,72 +6177,51 @@
           </a:ln>
         </p:spPr>
         <p:txBody>
-          <a:bodyPr wrap="square">
+          <a:bodyPr>
             <a:spAutoFit/>
           </a:bodyPr>
           <a:p>
-            <a:pPr marL="0" indent="0"/>
-            <a:r>
-              <a:rPr lang="en-US" sz="2400" b="0">
-                <a:latin typeface="Calibri" charset="0"/>
-                <a:cs typeface="SimSun" charset="0"/>
-              </a:rPr>
-              <a:t>specifi</a:t>
-            </a:r>
-            <a:r>
-              <a:rPr lang="en-US" altLang="en-US" sz="2400" b="0">
-                <a:latin typeface="Calibri" charset="0"/>
-                <a:cs typeface="SimSun" charset="0"/>
-              </a:rPr>
-              <a:t>y</a:t>
-            </a:r>
-            <a:r>
-              <a:rPr lang="en-US" sz="2400" b="0">
-                <a:latin typeface="Calibri" charset="0"/>
-                <a:cs typeface="SimSun" charset="0"/>
-              </a:rPr>
-              <a:t> MAC addresses to send and receive data on each port</a:t>
-            </a:r>
-            <a:endParaRPr lang="en-US" sz="2400" b="0">
+            <a:pPr marL="457200" indent="-457200">
+              <a:buFont typeface="Arial" panose="02080604020202020204" pitchFamily="34" charset="0"/>
+              <a:buChar char="•"/>
+            </a:pPr>
+            <a:endParaRPr lang="en-US" altLang="en-US" sz="2800">
               <a:latin typeface="Calibri" charset="0"/>
               <a:cs typeface="SimSun" charset="0"/>
+              <a:sym typeface="+mn-ea"/>
+            </a:endParaRPr>
+          </a:p>
+          <a:p>
+            <a:pPr indent="0">
+              <a:buFont typeface="Arial" panose="02080604020202020204" pitchFamily="34" charset="0"/>
+              <a:buNone/>
+            </a:pPr>
+            <a:endParaRPr lang="en-US" altLang="en-US" sz="2800" b="0">
+              <a:latin typeface="Calibri" charset="0"/>
+              <a:cs typeface="SimSun" charset="0"/>
+              <a:sym typeface="+mn-ea"/>
             </a:endParaRPr>
           </a:p>
         </p:txBody>
       </p:sp>
       <p:pic>
         <p:nvPicPr>
-          <p:cNvPr id="12" name="Picture 9" descr="IMG_256"/>
+          <p:cNvPr id="9" name="Picture 6" descr="IMG_256"/>
           <p:cNvPicPr>
             <a:picLocks noChangeAspect="1"/>
           </p:cNvPicPr>
           <p:nvPr/>
         </p:nvPicPr>
         <p:blipFill>
-          <a:blip r:embed="rId4">
-            <a:clrChange>
-              <a:clrFrom>
-                <a:srgbClr val="FFFFFF">
-                  <a:alpha val="100000"/>
-                </a:srgbClr>
-              </a:clrFrom>
-              <a:clrTo>
-                <a:srgbClr val="FFFFFF">
-                  <a:alpha val="100000"/>
-                  <a:alpha val="0"/>
-                </a:srgbClr>
-              </a:clrTo>
-            </a:clrChange>
-            <a:lum bright="-6000"/>
-          </a:blip>
+          <a:blip r:embed="rId4"/>
           <a:stretch>
             <a:fillRect/>
           </a:stretch>
         </p:blipFill>
         <p:spPr>
           <a:xfrm>
-            <a:off x="6812280" y="1932940"/>
-            <a:ext cx="5044440" cy="3453130"/>
+            <a:off x="5557520" y="1885950"/>
+            <a:ext cx="6432550" cy="3740150"/>
           </a:xfrm>
           <a:prstGeom prst="rect">
             <a:avLst/>
@@ -6228,6 +6232,35 @@
           </a:ln>
         </p:spPr>
       </p:pic>
+      <p:sp>
+        <p:nvSpPr>
+          <p:cNvPr id="3" name="Text Box 2"/>
+          <p:cNvSpPr txBox="1"/>
+          <p:nvPr/>
+        </p:nvSpPr>
+        <p:spPr>
+          <a:xfrm>
+            <a:off x="440690" y="2479675"/>
+            <a:ext cx="4305935" cy="2553335"/>
+          </a:xfrm>
+          <a:prstGeom prst="rect">
+            <a:avLst/>
+          </a:prstGeom>
+          <a:noFill/>
+        </p:spPr>
+        <p:txBody>
+          <a:bodyPr wrap="square" rtlCol="0">
+            <a:spAutoFit/>
+          </a:bodyPr>
+          <a:p>
+            <a:r>
+              <a:rPr lang="" altLang="en-US" sz="3200"/>
+              <a:t>once a hacker get the password of any system he can get access of that entire network</a:t>
+            </a:r>
+            <a:endParaRPr lang="" altLang="en-US" sz="3200"/>
+          </a:p>
+        </p:txBody>
+      </p:sp>
     </p:spTree>
   </p:cSld>
   <p:clrMapOvr>
@@ -6236,7 +6269,7 @@
 </p:sld>
 </file>
 
-<file path=ppt/slides/slide9.xml><?xml version="1.0" encoding="utf-8"?>
+<file path=ppt/slides/slide8.xml><?xml version="1.0" encoding="utf-8"?>
 <p:sld xmlns:a="http://schemas.openxmlformats.org/drawingml/2006/main" xmlns:r="http://schemas.openxmlformats.org/officeDocument/2006/relationships" xmlns:p="http://schemas.openxmlformats.org/presentationml/2006/main">
   <p:cSld>
     <p:spTree>
@@ -6430,7 +6463,7 @@
         <p:spPr>
           <a:xfrm>
             <a:off x="1675130" y="354330"/>
-            <a:ext cx="7353300" cy="583565"/>
+            <a:ext cx="7353300" cy="768350"/>
           </a:xfrm>
           <a:prstGeom prst="rect">
             <a:avLst/>
@@ -6443,7 +6476,7 @@
           </a:bodyPr>
           <a:p>
             <a:r>
-              <a:rPr lang="en-US" altLang="en-US" sz="3200" b="1">
+              <a:rPr lang="" sz="4400" b="1">
                 <a:ln w="10160">
                   <a:solidFill>
                     <a:schemeClr val="accent5"/>
@@ -6463,9 +6496,78 @@
                 <a:latin typeface="Tibetan Machine Uni" panose="01000503020000020002" charset="0"/>
                 <a:cs typeface="Tibetan Machine Uni" panose="01000503020000020002" charset="0"/>
               </a:rPr>
-              <a:t>Defenses against DNS Poisoning</a:t>
-            </a:r>
-            <a:endParaRPr lang="en-US" altLang="en-US" sz="3200" b="1">
+              <a:t>S</a:t>
+            </a:r>
+            <a:r>
+              <a:rPr altLang="en-US" sz="4400" b="1">
+                <a:ln w="10160">
+                  <a:solidFill>
+                    <a:schemeClr val="accent5"/>
+                  </a:solidFill>
+                  <a:prstDash val="solid"/>
+                </a:ln>
+                <a:solidFill>
+                  <a:srgbClr val="FFFFFF"/>
+                </a:solidFill>
+                <a:effectLst>
+                  <a:outerShdw blurRad="38100" dist="22860" dir="5400000" algn="tl" rotWithShape="0">
+                    <a:srgbClr val="000000">
+                      <a:alpha val="30000"/>
+                    </a:srgbClr>
+                  </a:outerShdw>
+                </a:effectLst>
+                <a:latin typeface="Tibetan Machine Uni" panose="01000503020000020002" charset="0"/>
+                <a:cs typeface="Tibetan Machine Uni" panose="01000503020000020002" charset="0"/>
+              </a:rPr>
+              <a:t>trong </a:t>
+            </a:r>
+            <a:r>
+              <a:rPr lang="" sz="4400" b="1">
+                <a:ln w="10160">
+                  <a:solidFill>
+                    <a:schemeClr val="accent5"/>
+                  </a:solidFill>
+                  <a:prstDash val="solid"/>
+                </a:ln>
+                <a:solidFill>
+                  <a:srgbClr val="FFFFFF"/>
+                </a:solidFill>
+                <a:effectLst>
+                  <a:outerShdw blurRad="38100" dist="22860" dir="5400000" algn="tl" rotWithShape="0">
+                    <a:srgbClr val="000000">
+                      <a:alpha val="30000"/>
+                    </a:srgbClr>
+                  </a:outerShdw>
+                </a:effectLst>
+                <a:latin typeface="Tibetan Machine Uni" panose="01000503020000020002" charset="0"/>
+                <a:cs typeface="Tibetan Machine Uni" panose="01000503020000020002" charset="0"/>
+              </a:rPr>
+              <a:t>P</a:t>
+            </a:r>
+            <a:r>
+              <a:rPr altLang="en-US" sz="4400" b="1">
+                <a:ln w="10160">
+                  <a:solidFill>
+                    <a:schemeClr val="accent5"/>
+                  </a:solidFill>
+                  <a:prstDash val="solid"/>
+                </a:ln>
+                <a:solidFill>
+                  <a:srgbClr val="FFFFFF"/>
+                </a:solidFill>
+                <a:effectLst>
+                  <a:outerShdw blurRad="38100" dist="22860" dir="5400000" algn="tl" rotWithShape="0">
+                    <a:srgbClr val="000000">
+                      <a:alpha val="30000"/>
+                    </a:srgbClr>
+                  </a:outerShdw>
+                </a:effectLst>
+                <a:latin typeface="Tibetan Machine Uni" panose="01000503020000020002" charset="0"/>
+                <a:cs typeface="Tibetan Machine Uni" panose="01000503020000020002" charset="0"/>
+              </a:rPr>
+              <a:t>assword</a:t>
+            </a:r>
+            <a:endParaRPr altLang="en-US" sz="4400" b="1">
               <a:ln w="10160">
                 <a:solidFill>
                   <a:schemeClr val="accent5"/>
@@ -6490,46 +6592,62 @@
       </p:sp>
       <p:sp>
         <p:nvSpPr>
-          <p:cNvPr id="100" name="Text Box 99"/>
+          <p:cNvPr id="3" name="Text Box 2"/>
           <p:cNvSpPr txBox="1"/>
           <p:nvPr/>
         </p:nvSpPr>
         <p:spPr>
           <a:xfrm>
-            <a:off x="1545590" y="3622675"/>
-            <a:ext cx="3125470" cy="768350"/>
+            <a:off x="132715" y="1698625"/>
+            <a:ext cx="6777355" cy="2553335"/>
           </a:xfrm>
           <a:prstGeom prst="rect">
             <a:avLst/>
           </a:prstGeom>
           <a:noFill/>
-          <a:ln w="9525">
-            <a:noFill/>
-          </a:ln>
-        </p:spPr>
-        <p:txBody>
-          <a:bodyPr wrap="square">
+        </p:spPr>
+        <p:txBody>
+          <a:bodyPr wrap="square" rtlCol="0">
             <a:spAutoFit/>
           </a:bodyPr>
           <a:p>
-            <a:pPr marL="0" indent="0"/>
-            <a:r>
-              <a:rPr lang="en-US" altLang="en-US" sz="4400" b="0">
-                <a:latin typeface="Calibri" charset="0"/>
-                <a:cs typeface="SimSun" charset="0"/>
-              </a:rPr>
-              <a:t>use VPN</a:t>
-            </a:r>
-            <a:endParaRPr lang="en-US" altLang="en-US" sz="4400" b="0">
-              <a:latin typeface="Calibri" charset="0"/>
-              <a:cs typeface="SimSun" charset="0"/>
-            </a:endParaRPr>
+            <a:pPr marL="457200" indent="-457200">
+              <a:buFont typeface="Arial" panose="02080604020202020204" pitchFamily="34" charset="0"/>
+              <a:buChar char="•"/>
+            </a:pPr>
+            <a:r>
+              <a:rPr lang="en-US" altLang="en-US" sz="3200"/>
+              <a:t>Contains at least 8 characters</a:t>
+            </a:r>
+            <a:endParaRPr lang="en-US" altLang="en-US" sz="3200"/>
+          </a:p>
+          <a:p>
+            <a:pPr marL="457200" indent="-457200">
+              <a:buFont typeface="Arial" panose="02080604020202020204" pitchFamily="34" charset="0"/>
+              <a:buChar char="•"/>
+            </a:pPr>
+            <a:r>
+              <a:rPr lang="en-US" altLang="en-US" sz="3200"/>
+              <a:t>A mix of letters, numbers, and special characters.</a:t>
+            </a:r>
+            <a:endParaRPr lang="en-US" altLang="en-US" sz="3200"/>
+          </a:p>
+          <a:p>
+            <a:pPr marL="457200" indent="-457200">
+              <a:buFont typeface="Arial" panose="02080604020202020204" pitchFamily="34" charset="0"/>
+              <a:buChar char="•"/>
+            </a:pPr>
+            <a:r>
+              <a:rPr lang="en-US" altLang="en-US" sz="3200"/>
+              <a:t>A combination of small and capital letters</a:t>
+            </a:r>
+            <a:endParaRPr lang="en-US" altLang="en-US" sz="3200"/>
           </a:p>
         </p:txBody>
       </p:sp>
       <p:pic>
         <p:nvPicPr>
-          <p:cNvPr id="16" name="Picture 16" descr="vpn-02"/>
+          <p:cNvPr id="2" name="Picture 7" descr="IMG_256"/>
           <p:cNvPicPr>
             <a:picLocks noChangeAspect="1"/>
           </p:cNvPicPr>
@@ -6550,7 +6668,7 @@
                 </a:srgbClr>
               </a:clrTo>
             </a:clrChange>
-            <a:lum bright="-12000"/>
+            <a:lum bright="-6000"/>
           </a:blip>
           <a:stretch>
             <a:fillRect/>
@@ -6558,12 +6676,363 @@
         </p:blipFill>
         <p:spPr>
           <a:xfrm>
-            <a:off x="5763895" y="1873885"/>
-            <a:ext cx="6240780" cy="3596640"/>
+            <a:off x="6299200" y="3794125"/>
+            <a:ext cx="5835015" cy="2334260"/>
           </a:xfrm>
           <a:prstGeom prst="rect">
             <a:avLst/>
           </a:prstGeom>
+          <a:noFill/>
+          <a:ln w="9525">
+            <a:noFill/>
+          </a:ln>
+        </p:spPr>
+      </p:pic>
+    </p:spTree>
+  </p:cSld>
+  <p:clrMapOvr>
+    <a:masterClrMapping/>
+  </p:clrMapOvr>
+</p:sld>
+</file>
+
+<file path=ppt/slides/slide9.xml><?xml version="1.0" encoding="utf-8"?>
+<p:sld xmlns:a="http://schemas.openxmlformats.org/drawingml/2006/main" xmlns:r="http://schemas.openxmlformats.org/officeDocument/2006/relationships" xmlns:p="http://schemas.openxmlformats.org/presentationml/2006/main">
+  <p:cSld>
+    <p:spTree>
+      <p:nvGrpSpPr>
+        <p:cNvPr id="1" name=""/>
+        <p:cNvGrpSpPr/>
+        <p:nvPr/>
+      </p:nvGrpSpPr>
+      <p:grpSpPr/>
+      <p:pic>
+        <p:nvPicPr>
+          <p:cNvPr id="5" name="Picture 4" descr="United TrusT Logo"/>
+          <p:cNvPicPr>
+            <a:picLocks noChangeAspect="1"/>
+          </p:cNvPicPr>
+          <p:nvPr/>
+        </p:nvPicPr>
+        <p:blipFill>
+          <a:blip r:embed="rId1"/>
+          <a:stretch>
+            <a:fillRect/>
+          </a:stretch>
+        </p:blipFill>
+        <p:spPr>
+          <a:xfrm>
+            <a:off x="108585" y="6128385"/>
+            <a:ext cx="1650365" cy="634365"/>
+          </a:xfrm>
+          <a:prstGeom prst="rect">
+            <a:avLst/>
+          </a:prstGeom>
+        </p:spPr>
+      </p:pic>
+      <p:pic>
+        <p:nvPicPr>
+          <p:cNvPr id="6" name="Picture 5" descr="bdedu_logo"/>
+          <p:cNvPicPr>
+            <a:picLocks noChangeAspect="1"/>
+          </p:cNvPicPr>
+          <p:nvPr/>
+        </p:nvPicPr>
+        <p:blipFill>
+          <a:blip r:embed="rId2"/>
+          <a:stretch>
+            <a:fillRect/>
+          </a:stretch>
+        </p:blipFill>
+        <p:spPr>
+          <a:xfrm>
+            <a:off x="9440545" y="6061710"/>
+            <a:ext cx="2693670" cy="701040"/>
+          </a:xfrm>
+          <a:prstGeom prst="rect">
+            <a:avLst/>
+          </a:prstGeom>
+        </p:spPr>
+      </p:pic>
+      <p:sp>
+        <p:nvSpPr>
+          <p:cNvPr id="10" name="Freeform 9"/>
+          <p:cNvSpPr/>
+          <p:nvPr/>
+        </p:nvSpPr>
+        <p:spPr>
+          <a:xfrm>
+            <a:off x="440690" y="120650"/>
+            <a:ext cx="9353550" cy="1162050"/>
+          </a:xfrm>
+          <a:custGeom>
+            <a:avLst/>
+            <a:gdLst>
+              <a:gd name="connsiteX0" fmla="*/ 0 w 14730"/>
+              <a:gd name="connsiteY0" fmla="*/ 0 h 1830"/>
+              <a:gd name="connsiteX1" fmla="*/ 13869 w 14730"/>
+              <a:gd name="connsiteY1" fmla="*/ 60 h 1830"/>
+              <a:gd name="connsiteX2" fmla="*/ 14730 w 14730"/>
+              <a:gd name="connsiteY2" fmla="*/ 1830 h 1830"/>
+              <a:gd name="connsiteX3" fmla="*/ 0 w 14730"/>
+              <a:gd name="connsiteY3" fmla="*/ 1830 h 1830"/>
+              <a:gd name="connsiteX4" fmla="*/ 0 w 14730"/>
+              <a:gd name="connsiteY4" fmla="*/ 0 h 1830"/>
+            </a:gdLst>
+            <a:ahLst/>
+            <a:cxnLst>
+              <a:cxn ang="0">
+                <a:pos x="connsiteX0" y="connsiteY0"/>
+              </a:cxn>
+              <a:cxn ang="0">
+                <a:pos x="connsiteX1" y="connsiteY1"/>
+              </a:cxn>
+              <a:cxn ang="0">
+                <a:pos x="connsiteX2" y="connsiteY2"/>
+              </a:cxn>
+              <a:cxn ang="0">
+                <a:pos x="connsiteX3" y="connsiteY3"/>
+              </a:cxn>
+              <a:cxn ang="0">
+                <a:pos x="connsiteX4" y="connsiteY4"/>
+              </a:cxn>
+            </a:cxnLst>
+            <a:rect l="l" t="t" r="r" b="b"/>
+            <a:pathLst>
+              <a:path w="14730" h="1830">
+                <a:moveTo>
+                  <a:pt x="0" y="0"/>
+                </a:moveTo>
+                <a:lnTo>
+                  <a:pt x="13869" y="60"/>
+                </a:lnTo>
+                <a:lnTo>
+                  <a:pt x="14730" y="1830"/>
+                </a:lnTo>
+                <a:lnTo>
+                  <a:pt x="0" y="1830"/>
+                </a:lnTo>
+                <a:lnTo>
+                  <a:pt x="0" y="0"/>
+                </a:lnTo>
+                <a:close/>
+              </a:path>
+            </a:pathLst>
+          </a:custGeom>
+          <a:solidFill>
+            <a:schemeClr val="tx2">
+              <a:lumMod val="75000"/>
+              <a:lumOff val="25000"/>
+            </a:schemeClr>
+          </a:solidFill>
+          <a:ln>
+            <a:solidFill>
+              <a:schemeClr val="bg1">
+                <a:alpha val="88000"/>
+              </a:schemeClr>
+            </a:solidFill>
+          </a:ln>
+        </p:spPr>
+        <p:style>
+          <a:lnRef idx="2">
+            <a:schemeClr val="accent1">
+              <a:shade val="50000"/>
+            </a:schemeClr>
+          </a:lnRef>
+          <a:fillRef idx="1">
+            <a:schemeClr val="accent1"/>
+          </a:fillRef>
+          <a:effectRef idx="0">
+            <a:schemeClr val="accent1"/>
+          </a:effectRef>
+          <a:fontRef idx="minor">
+            <a:schemeClr val="lt1"/>
+          </a:fontRef>
+        </p:style>
+        <p:txBody>
+          <a:bodyPr rtlCol="0" anchor="ctr"/>
+          <a:p>
+            <a:pPr algn="ctr"/>
+            <a:endParaRPr lang="en-US"/>
+          </a:p>
+        </p:txBody>
+      </p:sp>
+      <p:pic>
+        <p:nvPicPr>
+          <p:cNvPr id="7" name="Picture 6"/>
+          <p:cNvPicPr>
+            <a:picLocks noChangeAspect="1"/>
+          </p:cNvPicPr>
+          <p:nvPr/>
+        </p:nvPicPr>
+        <p:blipFill>
+          <a:blip r:embed="rId3"/>
+          <a:stretch>
+            <a:fillRect/>
+          </a:stretch>
+        </p:blipFill>
+        <p:spPr>
+          <a:xfrm>
+            <a:off x="-135890" y="-110490"/>
+            <a:ext cx="1681480" cy="1624330"/>
+          </a:xfrm>
+          <a:prstGeom prst="rect">
+            <a:avLst/>
+          </a:prstGeom>
+        </p:spPr>
+      </p:pic>
+      <p:sp>
+        <p:nvSpPr>
+          <p:cNvPr id="8" name="Text Box 7"/>
+          <p:cNvSpPr txBox="1"/>
+          <p:nvPr/>
+        </p:nvSpPr>
+        <p:spPr>
+          <a:xfrm>
+            <a:off x="1675130" y="354330"/>
+            <a:ext cx="7353300" cy="768350"/>
+          </a:xfrm>
+          <a:prstGeom prst="rect">
+            <a:avLst/>
+          </a:prstGeom>
+          <a:noFill/>
+        </p:spPr>
+        <p:txBody>
+          <a:bodyPr wrap="square" rtlCol="0">
+            <a:spAutoFit/>
+          </a:bodyPr>
+          <a:p>
+            <a:r>
+              <a:rPr sz="4400" b="1">
+                <a:ln w="10160">
+                  <a:solidFill>
+                    <a:schemeClr val="accent5"/>
+                  </a:solidFill>
+                  <a:prstDash val="solid"/>
+                </a:ln>
+                <a:solidFill>
+                  <a:srgbClr val="FFFFFF"/>
+                </a:solidFill>
+                <a:effectLst>
+                  <a:outerShdw blurRad="38100" dist="22860" dir="5400000" algn="tl" rotWithShape="0">
+                    <a:srgbClr val="000000">
+                      <a:alpha val="30000"/>
+                    </a:srgbClr>
+                  </a:outerShdw>
+                </a:effectLst>
+                <a:latin typeface="Tibetan Machine Uni" panose="01000503020000020002" charset="0"/>
+                <a:cs typeface="Tibetan Machine Uni" panose="01000503020000020002" charset="0"/>
+              </a:rPr>
+              <a:t>Dictionary Attack</a:t>
+            </a:r>
+            <a:endParaRPr sz="4400" b="1">
+              <a:ln w="10160">
+                <a:solidFill>
+                  <a:schemeClr val="accent5"/>
+                </a:solidFill>
+                <a:prstDash val="solid"/>
+              </a:ln>
+              <a:solidFill>
+                <a:srgbClr val="FFFFFF"/>
+              </a:solidFill>
+              <a:effectLst>
+                <a:outerShdw blurRad="38100" dist="22860" dir="5400000" algn="tl" rotWithShape="0">
+                  <a:srgbClr val="000000">
+                    <a:alpha val="30000"/>
+                  </a:srgbClr>
+                </a:outerShdw>
+              </a:effectLst>
+              <a:latin typeface="Tibetan Machine Uni" panose="01000503020000020002" charset="0"/>
+              <a:cs typeface="Tibetan Machine Uni" panose="01000503020000020002" charset="0"/>
+            </a:endParaRPr>
+          </a:p>
+        </p:txBody>
+      </p:sp>
+      <p:sp>
+        <p:nvSpPr>
+          <p:cNvPr id="100" name="Text Box 99"/>
+          <p:cNvSpPr txBox="1"/>
+          <p:nvPr/>
+        </p:nvSpPr>
+        <p:spPr>
+          <a:xfrm>
+            <a:off x="6736080" y="2549525"/>
+            <a:ext cx="5080000" cy="2245360"/>
+          </a:xfrm>
+          <a:prstGeom prst="rect">
+            <a:avLst/>
+          </a:prstGeom>
+          <a:noFill/>
+          <a:ln w="9525">
+            <a:noFill/>
+          </a:ln>
+        </p:spPr>
+        <p:txBody>
+          <a:bodyPr>
+            <a:spAutoFit/>
+          </a:bodyPr>
+          <a:p>
+            <a:pPr marL="0" indent="0"/>
+            <a:r>
+              <a:rPr lang="en-US" sz="2800" b="0">
+                <a:latin typeface="Calibri" charset="0"/>
+                <a:cs typeface="SimSun" charset="0"/>
+              </a:rPr>
+              <a:t>In a dictionary attack, the hacker uses a predefined list of words from a dictionary to try and guess the password</a:t>
+            </a:r>
+            <a:endParaRPr lang="en-US" sz="2800" b="0">
+              <a:latin typeface="Calibri" charset="0"/>
+              <a:cs typeface="SimSun" charset="0"/>
+            </a:endParaRPr>
+          </a:p>
+        </p:txBody>
+      </p:sp>
+      <p:pic>
+        <p:nvPicPr>
+          <p:cNvPr id="4" name="Picture 3"/>
+          <p:cNvPicPr>
+            <a:picLocks noChangeAspect="1"/>
+          </p:cNvPicPr>
+          <p:nvPr/>
+        </p:nvPicPr>
+        <p:blipFill>
+          <a:blip r:embed="rId4">
+            <a:clrChange>
+              <a:clrFrom>
+                <a:srgbClr val="FFFFFF">
+                  <a:alpha val="100000"/>
+                </a:srgbClr>
+              </a:clrFrom>
+              <a:clrTo>
+                <a:srgbClr val="FFFFFF">
+                  <a:alpha val="100000"/>
+                  <a:alpha val="0"/>
+                </a:srgbClr>
+              </a:clrTo>
+            </a:clrChange>
+          </a:blip>
+          <a:srcRect t="27173" b="8966"/>
+          <a:stretch>
+            <a:fillRect/>
+          </a:stretch>
+        </p:blipFill>
+        <p:spPr>
+          <a:xfrm>
+            <a:off x="761365" y="1967230"/>
+            <a:ext cx="6156325" cy="2923540"/>
+          </a:xfrm>
+          <a:prstGeom prst="rect">
+            <a:avLst/>
+          </a:prstGeom>
+          <a:effectLst>
+            <a:outerShdw blurRad="381000" dist="50800" dir="5400000" sx="106000" sy="106000" algn="ctr" rotWithShape="0">
+              <a:srgbClr val="92D050">
+                <a:alpha val="100000"/>
+              </a:srgbClr>
+            </a:outerShdw>
+            <a:reflection stA="45000" endPos="14000" dist="50800" dir="5400000" sy="-100000" algn="bl" rotWithShape="0"/>
+            <a:softEdge rad="76200"/>
+          </a:effectLst>
         </p:spPr>
       </p:pic>
     </p:spTree>
